--- a/lacnic-ipv4-fase3-model/template_v3.pptx
+++ b/lacnic-ipv4-fase3-model/template_v3.pptx
@@ -331,7 +331,7 @@
           <a:p>
             <a:fld id="{241EB5C9-1307-BA42-ABA2-0BC069CD8E7F}" type="datetimeFigureOut">
               <a:rPr lang="en-US" smtClean="0"/>
-              <a:t>2/20/20</a:t>
+              <a:t>6/3/20</a:t>
             </a:fld>
             <a:endParaRPr lang="en-US"/>
           </a:p>
@@ -499,7 +499,7 @@
           <a:p>
             <a:fld id="{241EB5C9-1307-BA42-ABA2-0BC069CD8E7F}" type="datetimeFigureOut">
               <a:rPr lang="en-US" smtClean="0"/>
-              <a:t>2/20/20</a:t>
+              <a:t>6/3/20</a:t>
             </a:fld>
             <a:endParaRPr lang="en-US"/>
           </a:p>
@@ -677,7 +677,7 @@
           <a:p>
             <a:fld id="{241EB5C9-1307-BA42-ABA2-0BC069CD8E7F}" type="datetimeFigureOut">
               <a:rPr lang="en-US" smtClean="0"/>
-              <a:t>2/20/20</a:t>
+              <a:t>6/3/20</a:t>
             </a:fld>
             <a:endParaRPr lang="en-US"/>
           </a:p>
@@ -885,36 +885,6 @@
           </a:p>
         </p:txBody>
       </p:sp>
-      <p:pic>
-        <p:nvPicPr>
-          <p:cNvPr id="8" name="Picture 7" descr="A close up of a logo&#10;&#10;Description automatically generated">
-            <a:extLst>
-              <a:ext uri="{FF2B5EF4-FFF2-40B4-BE49-F238E27FC236}">
-                <a16:creationId xmlns:a16="http://schemas.microsoft.com/office/drawing/2014/main" id="{BE98634C-9424-C34A-B44C-E6A561AC649A}"/>
-              </a:ext>
-            </a:extLst>
-          </p:cNvPr>
-          <p:cNvPicPr>
-            <a:picLocks noChangeAspect="1"/>
-          </p:cNvPicPr>
-          <p:nvPr userDrawn="1"/>
-        </p:nvPicPr>
-        <p:blipFill>
-          <a:blip r:embed="rId2"/>
-          <a:stretch>
-            <a:fillRect/>
-          </a:stretch>
-        </p:blipFill>
-        <p:spPr>
-          <a:xfrm>
-            <a:off x="282121" y="4628560"/>
-            <a:ext cx="1006748" cy="459775"/>
-          </a:xfrm>
-          <a:prstGeom prst="rect">
-            <a:avLst/>
-          </a:prstGeom>
-        </p:spPr>
-      </p:pic>
     </p:spTree>
     <p:extLst>
       <p:ext uri="{BB962C8B-B14F-4D97-AF65-F5344CB8AC3E}">
@@ -1112,7 +1082,7 @@
           <a:p>
             <a:fld id="{241EB5C9-1307-BA42-ABA2-0BC069CD8E7F}" type="datetimeFigureOut">
               <a:rPr lang="en-US" smtClean="0"/>
-              <a:t>2/20/20</a:t>
+              <a:t>6/3/20</a:t>
             </a:fld>
             <a:endParaRPr lang="en-US"/>
           </a:p>
@@ -1397,7 +1367,7 @@
           <a:p>
             <a:fld id="{241EB5C9-1307-BA42-ABA2-0BC069CD8E7F}" type="datetimeFigureOut">
               <a:rPr lang="en-US" smtClean="0"/>
-              <a:t>2/20/20</a:t>
+              <a:t>6/3/20</a:t>
             </a:fld>
             <a:endParaRPr lang="en-US"/>
           </a:p>
@@ -1816,7 +1786,7 @@
           <a:p>
             <a:fld id="{241EB5C9-1307-BA42-ABA2-0BC069CD8E7F}" type="datetimeFigureOut">
               <a:rPr lang="en-US" smtClean="0"/>
-              <a:t>2/20/20</a:t>
+              <a:t>6/3/20</a:t>
             </a:fld>
             <a:endParaRPr lang="en-US"/>
           </a:p>
@@ -1933,7 +1903,7 @@
           <a:p>
             <a:fld id="{241EB5C9-1307-BA42-ABA2-0BC069CD8E7F}" type="datetimeFigureOut">
               <a:rPr lang="en-US" smtClean="0"/>
-              <a:t>2/20/20</a:t>
+              <a:t>6/3/20</a:t>
             </a:fld>
             <a:endParaRPr lang="en-US"/>
           </a:p>
@@ -2028,7 +1998,7 @@
           <a:p>
             <a:fld id="{241EB5C9-1307-BA42-ABA2-0BC069CD8E7F}" type="datetimeFigureOut">
               <a:rPr lang="en-US" smtClean="0"/>
-              <a:t>2/20/20</a:t>
+              <a:t>6/3/20</a:t>
             </a:fld>
             <a:endParaRPr lang="en-US"/>
           </a:p>
@@ -2303,7 +2273,7 @@
           <a:p>
             <a:fld id="{241EB5C9-1307-BA42-ABA2-0BC069CD8E7F}" type="datetimeFigureOut">
               <a:rPr lang="en-US" smtClean="0"/>
-              <a:t>2/20/20</a:t>
+              <a:t>6/3/20</a:t>
             </a:fld>
             <a:endParaRPr lang="en-US"/>
           </a:p>
@@ -2555,7 +2525,7 @@
           <a:p>
             <a:fld id="{241EB5C9-1307-BA42-ABA2-0BC069CD8E7F}" type="datetimeFigureOut">
               <a:rPr lang="en-US" smtClean="0"/>
-              <a:t>2/20/20</a:t>
+              <a:t>6/3/20</a:t>
             </a:fld>
             <a:endParaRPr lang="en-US"/>
           </a:p>
@@ -2766,7 +2736,7 @@
           <a:p>
             <a:fld id="{241EB5C9-1307-BA42-ABA2-0BC069CD8E7F}" type="datetimeFigureOut">
               <a:rPr lang="en-US" smtClean="0"/>
-              <a:t>2/20/20</a:t>
+              <a:t>6/3/20</a:t>
             </a:fld>
             <a:endParaRPr lang="en-US"/>
           </a:p>
